--- a/Day6-ClusterAnalysis/Ch06-ClusterAnalysis.pptx
+++ b/Day6-ClusterAnalysis/Ch06-ClusterAnalysis.pptx
@@ -9443,7 +9443,7 @@
             <a:pPr lvl="1"/>
             <a:r>
               <a:rPr lang="en-US" dirty="0"/>
-              <a:t>Used to describe patterns like “people who like X also like Y”</a:t>
+              <a:t>Used to describe patterns like "people who like X also like Y"</a:t>
             </a:r>
           </a:p>
           <a:p>
@@ -12801,18 +12801,18 @@
 </file>
 
 <file path=customXml/item1.xml><?xml version="1.0" encoding="utf-8"?>
-<p:properties xmlns:p="http://schemas.microsoft.com/office/2006/metadata/properties" xmlns:xsi="http://www.w3.org/2001/XMLSchema-instance" xmlns:pc="http://schemas.microsoft.com/office/infopath/2007/PartnerControls">
-  <documentManagement/>
-</p:properties>
-</file>
-
-<file path=customXml/item2.xml><?xml version="1.0" encoding="utf-8"?>
 <?mso-contentType ?>
 <FormTemplates xmlns="http://schemas.microsoft.com/sharepoint/v3/contenttype/forms">
   <Display>DocumentLibraryForm</Display>
   <Edit>DocumentLibraryForm</Edit>
   <New>DocumentLibraryForm</New>
 </FormTemplates>
+</file>
+
+<file path=customXml/item2.xml><?xml version="1.0" encoding="utf-8"?>
+<p:properties xmlns:p="http://schemas.microsoft.com/office/2006/metadata/properties" xmlns:xsi="http://www.w3.org/2001/XMLSchema-instance" xmlns:pc="http://schemas.microsoft.com/office/infopath/2007/PartnerControls">
+  <documentManagement/>
+</p:properties>
 </file>
 
 <file path=customXml/item3.xml><?xml version="1.0" encoding="utf-8"?>
@@ -12968,18 +12968,18 @@
 </file>
 
 <file path=customXml/itemProps1.xml><?xml version="1.0" encoding="utf-8"?>
-<ds:datastoreItem xmlns:ds="http://schemas.openxmlformats.org/officeDocument/2006/customXml" ds:itemID="{F47B9207-CE5C-49AD-B414-15CBFA246D65}">
+<ds:datastoreItem xmlns:ds="http://schemas.openxmlformats.org/officeDocument/2006/customXml" ds:itemID="{2DA015F3-603C-4688-A5F3-81D587DAB8C9}">
   <ds:schemaRefs>
-    <ds:schemaRef ds:uri="http://schemas.microsoft.com/office/2006/metadata/properties"/>
-    <ds:schemaRef ds:uri="http://schemas.microsoft.com/office/infopath/2007/PartnerControls"/>
+    <ds:schemaRef ds:uri="http://schemas.microsoft.com/sharepoint/v3/contenttype/forms"/>
   </ds:schemaRefs>
 </ds:datastoreItem>
 </file>
 
 <file path=customXml/itemProps2.xml><?xml version="1.0" encoding="utf-8"?>
-<ds:datastoreItem xmlns:ds="http://schemas.openxmlformats.org/officeDocument/2006/customXml" ds:itemID="{2DA015F3-603C-4688-A5F3-81D587DAB8C9}">
+<ds:datastoreItem xmlns:ds="http://schemas.openxmlformats.org/officeDocument/2006/customXml" ds:itemID="{F47B9207-CE5C-49AD-B414-15CBFA246D65}">
   <ds:schemaRefs>
-    <ds:schemaRef ds:uri="http://schemas.microsoft.com/sharepoint/v3/contenttype/forms"/>
+    <ds:schemaRef ds:uri="http://schemas.microsoft.com/office/2006/metadata/properties"/>
+    <ds:schemaRef ds:uri="http://schemas.microsoft.com/office/infopath/2007/PartnerControls"/>
   </ds:schemaRefs>
 </ds:datastoreItem>
 </file>

--- a/Day6-ClusterAnalysis/Ch06-ClusterAnalysis.pptx
+++ b/Day6-ClusterAnalysis/Ch06-ClusterAnalysis.pptx
@@ -285,7 +285,7 @@
               <a:rPr lang="en-US" dirty="0">
                 <a:latin typeface="Tahoma" pitchFamily="34" charset="0"/>
               </a:rPr>
-              <a:t>811M: Python for Data Scientists</a:t>
+              <a:t>Python Program</a:t>
             </a:r>
           </a:p>
         </p:txBody>
@@ -807,7 +807,7 @@
                 </a:solidFill>
                 <a:latin typeface="Tahoma" pitchFamily="34" charset="0"/>
               </a:rPr>
-              <a:t>811M: Python for Data Scientists</a:t>
+              <a:t>Python Program</a:t>
             </a:r>
           </a:p>
         </p:txBody>
@@ -6677,7 +6677,7 @@
                 </a:solidFill>
                 <a:latin typeface="Tahoma" charset="0"/>
               </a:rPr>
-              <a:t>© 2019</a:t>
+              <a:t>© 2020</a:t>
             </a:r>
             <a:r>
               <a:rPr lang="en-US" sz="700" b="0" baseline="0" dirty="0">
@@ -6885,7 +6885,7 @@
                 <a:ea typeface="Tahoma" panose="020B0604030504040204" pitchFamily="34" charset="0"/>
                 <a:cs typeface="Tahoma" panose="020B0604030504040204" pitchFamily="34" charset="0"/>
               </a:rPr>
-              <a:t>811M: Python for Data Scientists</a:t>
+              <a:t>Python Program</a:t>
             </a:r>
           </a:p>
         </p:txBody>
@@ -7549,7 +7549,7 @@
           <a:p>
             <a:r>
               <a:rPr lang="en-US" dirty="0"/>
-              <a:t>Python for Data Scientists</a:t>
+              <a:t>Python Program</a:t>
             </a:r>
           </a:p>
         </p:txBody>
@@ -12801,18 +12801,18 @@
 </file>
 
 <file path=customXml/item1.xml><?xml version="1.0" encoding="utf-8"?>
+<p:properties xmlns:p="http://schemas.microsoft.com/office/2006/metadata/properties" xmlns:xsi="http://www.w3.org/2001/XMLSchema-instance" xmlns:pc="http://schemas.microsoft.com/office/infopath/2007/PartnerControls">
+  <documentManagement/>
+</p:properties>
+</file>
+
+<file path=customXml/item2.xml><?xml version="1.0" encoding="utf-8"?>
 <?mso-contentType ?>
 <FormTemplates xmlns="http://schemas.microsoft.com/sharepoint/v3/contenttype/forms">
   <Display>DocumentLibraryForm</Display>
   <Edit>DocumentLibraryForm</Edit>
   <New>DocumentLibraryForm</New>
 </FormTemplates>
-</file>
-
-<file path=customXml/item2.xml><?xml version="1.0" encoding="utf-8"?>
-<p:properties xmlns:p="http://schemas.microsoft.com/office/2006/metadata/properties" xmlns:xsi="http://www.w3.org/2001/XMLSchema-instance" xmlns:pc="http://schemas.microsoft.com/office/infopath/2007/PartnerControls">
-  <documentManagement/>
-</p:properties>
 </file>
 
 <file path=customXml/item3.xml><?xml version="1.0" encoding="utf-8"?>
@@ -12968,18 +12968,18 @@
 </file>
 
 <file path=customXml/itemProps1.xml><?xml version="1.0" encoding="utf-8"?>
-<ds:datastoreItem xmlns:ds="http://schemas.openxmlformats.org/officeDocument/2006/customXml" ds:itemID="{2DA015F3-603C-4688-A5F3-81D587DAB8C9}">
+<ds:datastoreItem xmlns:ds="http://schemas.openxmlformats.org/officeDocument/2006/customXml" ds:itemID="{F47B9207-CE5C-49AD-B414-15CBFA246D65}">
   <ds:schemaRefs>
-    <ds:schemaRef ds:uri="http://schemas.microsoft.com/sharepoint/v3/contenttype/forms"/>
+    <ds:schemaRef ds:uri="http://schemas.microsoft.com/office/2006/metadata/properties"/>
+    <ds:schemaRef ds:uri="http://schemas.microsoft.com/office/infopath/2007/PartnerControls"/>
   </ds:schemaRefs>
 </ds:datastoreItem>
 </file>
 
 <file path=customXml/itemProps2.xml><?xml version="1.0" encoding="utf-8"?>
-<ds:datastoreItem xmlns:ds="http://schemas.openxmlformats.org/officeDocument/2006/customXml" ds:itemID="{F47B9207-CE5C-49AD-B414-15CBFA246D65}">
+<ds:datastoreItem xmlns:ds="http://schemas.openxmlformats.org/officeDocument/2006/customXml" ds:itemID="{2DA015F3-603C-4688-A5F3-81D587DAB8C9}">
   <ds:schemaRefs>
-    <ds:schemaRef ds:uri="http://schemas.microsoft.com/office/2006/metadata/properties"/>
-    <ds:schemaRef ds:uri="http://schemas.microsoft.com/office/infopath/2007/PartnerControls"/>
+    <ds:schemaRef ds:uri="http://schemas.microsoft.com/sharepoint/v3/contenttype/forms"/>
   </ds:schemaRefs>
 </ds:datastoreItem>
 </file>
